--- a/Presenation/Ball_and_Plate_MECA_482_Group_6.pptx
+++ b/Presenation/Ball_and_Plate_MECA_482_Group_6.pptx
@@ -112,6 +112,11 @@
       </a:defRPr>
     </a:lvl9pPr>
   </p:defaultTextStyle>
+  <p:extLst>
+    <p:ext uri="{EFAFB233-063F-42B5-8137-9DF3F51BA10A}">
+      <p15:sldGuideLst xmlns:p15="http://schemas.microsoft.com/office/powerpoint/2012/main"/>
+    </p:ext>
+  </p:extLst>
 </p:presentation>
 </file>
 
@@ -8334,8 +8339,13 @@
           <a:p>
             <a:r>
               <a:rPr lang="en-US" dirty="0"/>
-              <a:t>Damping = 0.61</a:t>
-            </a:r>
+              <a:t>Damping </a:t>
+            </a:r>
+            <a:r>
+              <a:rPr lang="en-US"/>
+              <a:t>= 0.69</a:t>
+            </a:r>
+            <a:endParaRPr lang="en-US" dirty="0"/>
           </a:p>
         </p:txBody>
       </p:sp>
@@ -8422,7 +8432,7 @@
           <a:p>
             <a:r>
               <a:rPr lang="en-US" dirty="0"/>
-              <a:t>MATLAB Simulink </a:t>
+              <a:t>MATLAB Simulink of Ball on Beam</a:t>
             </a:r>
           </a:p>
         </p:txBody>
@@ -8509,12 +8519,8 @@
           <a:lstStyle/>
           <a:p>
             <a:r>
-              <a:rPr lang="en-US" dirty="0" err="1"/>
-              <a:t>Coppelia</a:t>
-            </a:r>
-            <a:r>
               <a:rPr lang="en-US" dirty="0"/>
-              <a:t> Simulink</a:t>
+              <a:t>Simulink Ball and Plate Step response</a:t>
             </a:r>
           </a:p>
         </p:txBody>
@@ -8541,8 +8547,44 @@
         </p:blipFill>
         <p:spPr>
           <a:xfrm>
-            <a:off x="1138236" y="2526437"/>
+            <a:off x="387609" y="1871345"/>
             <a:ext cx="10882181" cy="2289335"/>
+          </a:xfrm>
+          <a:prstGeom prst="rect">
+            <a:avLst/>
+          </a:prstGeom>
+        </p:spPr>
+      </p:pic>
+      <p:pic>
+        <p:nvPicPr>
+          <p:cNvPr id="4" name="Picture 3" descr="A picture containing graphical user interface&#10;&#10;Description automatically generated">
+            <a:extLst>
+              <a:ext uri="{FF2B5EF4-FFF2-40B4-BE49-F238E27FC236}">
+                <a16:creationId xmlns:a16="http://schemas.microsoft.com/office/drawing/2014/main" id="{6E2554C3-5F89-4558-AE7B-EB26082AB0A2}"/>
+              </a:ext>
+            </a:extLst>
+          </p:cNvPr>
+          <p:cNvPicPr>
+            <a:picLocks noChangeAspect="1"/>
+          </p:cNvPicPr>
+          <p:nvPr/>
+        </p:nvPicPr>
+        <p:blipFill>
+          <a:blip r:embed="rId3">
+            <a:extLst>
+              <a:ext uri="{28A0092B-C50C-407E-A947-70E740481C1C}">
+                <a14:useLocalDpi xmlns:a14="http://schemas.microsoft.com/office/drawing/2010/main" val="0"/>
+              </a:ext>
+            </a:extLst>
+          </a:blip>
+          <a:stretch>
+            <a:fillRect/>
+          </a:stretch>
+        </p:blipFill>
+        <p:spPr>
+          <a:xfrm>
+            <a:off x="867266" y="3880085"/>
+            <a:ext cx="3893383" cy="2901986"/>
           </a:xfrm>
           <a:prstGeom prst="rect">
             <a:avLst/>
@@ -8579,40 +8621,12 @@
           <a:chExt cx="0" cy="0"/>
         </a:xfrm>
       </p:grpSpPr>
-      <p:sp>
-        <p:nvSpPr>
-          <p:cNvPr id="2" name="Title 1">
+      <p:pic>
+        <p:nvPicPr>
+          <p:cNvPr id="7" name="Picture 6" descr="Graphical user interface, application&#10;&#10;Description automatically generated">
             <a:extLst>
               <a:ext uri="{FF2B5EF4-FFF2-40B4-BE49-F238E27FC236}">
-                <a16:creationId xmlns:a16="http://schemas.microsoft.com/office/drawing/2014/main" id="{C6D0C701-F0C7-4F8F-B1C4-11421FCFD415}"/>
-              </a:ext>
-            </a:extLst>
-          </p:cNvPr>
-          <p:cNvSpPr>
-            <a:spLocks noGrp="1"/>
-          </p:cNvSpPr>
-          <p:nvPr>
-            <p:ph type="title"/>
-          </p:nvPr>
-        </p:nvSpPr>
-        <p:spPr/>
-        <p:txBody>
-          <a:bodyPr/>
-          <a:lstStyle/>
-          <a:p>
-            <a:r>
-              <a:rPr lang="en-US" dirty="0"/>
-              <a:t>Code </a:t>
-            </a:r>
-          </a:p>
-        </p:txBody>
-      </p:sp>
-      <p:pic>
-        <p:nvPicPr>
-          <p:cNvPr id="5" name="Picture 4">
-            <a:extLst>
-              <a:ext uri="{FF2B5EF4-FFF2-40B4-BE49-F238E27FC236}">
-                <a16:creationId xmlns:a16="http://schemas.microsoft.com/office/drawing/2014/main" id="{B6C66C5B-B386-4C4A-BB98-22F5B986758E}"/>
+                <a16:creationId xmlns:a16="http://schemas.microsoft.com/office/drawing/2014/main" id="{248F46FB-FF00-4E79-B783-80E4B6AF9475}"/>
               </a:ext>
             </a:extLst>
           </p:cNvPr>
@@ -8622,15 +8636,85 @@
           <p:nvPr/>
         </p:nvPicPr>
         <p:blipFill>
-          <a:blip r:embed="rId2"/>
+          <a:blip r:embed="rId2">
+            <a:extLst>
+              <a:ext uri="{28A0092B-C50C-407E-A947-70E740481C1C}">
+                <a14:useLocalDpi xmlns:a14="http://schemas.microsoft.com/office/drawing/2010/main" val="0"/>
+              </a:ext>
+            </a:extLst>
+          </a:blip>
           <a:stretch>
             <a:fillRect/>
           </a:stretch>
         </p:blipFill>
         <p:spPr>
           <a:xfrm>
-            <a:off x="2833433" y="1426223"/>
-            <a:ext cx="7359636" cy="5431777"/>
+            <a:off x="217884" y="4759475"/>
+            <a:ext cx="5429721" cy="1524132"/>
+          </a:xfrm>
+          <a:prstGeom prst="rect">
+            <a:avLst/>
+          </a:prstGeom>
+        </p:spPr>
+      </p:pic>
+      <p:sp>
+        <p:nvSpPr>
+          <p:cNvPr id="2" name="Title 1">
+            <a:extLst>
+              <a:ext uri="{FF2B5EF4-FFF2-40B4-BE49-F238E27FC236}">
+                <a16:creationId xmlns:a16="http://schemas.microsoft.com/office/drawing/2014/main" id="{C6D0C701-F0C7-4F8F-B1C4-11421FCFD415}"/>
+              </a:ext>
+            </a:extLst>
+          </p:cNvPr>
+          <p:cNvSpPr>
+            <a:spLocks noGrp="1"/>
+          </p:cNvSpPr>
+          <p:nvPr>
+            <p:ph type="title"/>
+          </p:nvPr>
+        </p:nvSpPr>
+        <p:spPr/>
+        <p:txBody>
+          <a:bodyPr/>
+          <a:lstStyle/>
+          <a:p>
+            <a:r>
+              <a:rPr lang="en-US" dirty="0"/>
+              <a:t>Code </a:t>
+            </a:r>
+          </a:p>
+        </p:txBody>
+      </p:sp>
+      <p:pic>
+        <p:nvPicPr>
+          <p:cNvPr id="4" name="Picture 3" descr="Text&#10;&#10;Description automatically generated">
+            <a:extLst>
+              <a:ext uri="{FF2B5EF4-FFF2-40B4-BE49-F238E27FC236}">
+                <a16:creationId xmlns:a16="http://schemas.microsoft.com/office/drawing/2014/main" id="{1A7BB0B6-12B3-4F81-8EE7-7F8AF8CBE335}"/>
+              </a:ext>
+            </a:extLst>
+          </p:cNvPr>
+          <p:cNvPicPr>
+            <a:picLocks noChangeAspect="1"/>
+          </p:cNvPicPr>
+          <p:nvPr/>
+        </p:nvPicPr>
+        <p:blipFill>
+          <a:blip r:embed="rId3">
+            <a:extLst>
+              <a:ext uri="{28A0092B-C50C-407E-A947-70E740481C1C}">
+                <a14:useLocalDpi xmlns:a14="http://schemas.microsoft.com/office/drawing/2010/main" val="0"/>
+              </a:ext>
+            </a:extLst>
+          </a:blip>
+          <a:stretch>
+            <a:fillRect/>
+          </a:stretch>
+        </p:blipFill>
+        <p:spPr>
+          <a:xfrm>
+            <a:off x="4441093" y="84200"/>
+            <a:ext cx="7533023" cy="6199407"/>
           </a:xfrm>
           <a:prstGeom prst="rect">
             <a:avLst/>
